--- a/image/search/디자인.pptx
+++ b/image/search/디자인.pptx
@@ -267,7 +267,7 @@
           <a:p>
             <a:fld id="{A2122149-43FD-44AF-A55E-49E7A779F16D}" type="datetimeFigureOut">
               <a:rPr lang="ko-KR" altLang="en-US" smtClean="0"/>
-              <a:t>2021-06-01</a:t>
+              <a:t>2021-06-03</a:t>
             </a:fld>
             <a:endParaRPr lang="ko-KR" altLang="en-US"/>
           </a:p>
@@ -465,7 +465,7 @@
           <a:p>
             <a:fld id="{A2122149-43FD-44AF-A55E-49E7A779F16D}" type="datetimeFigureOut">
               <a:rPr lang="ko-KR" altLang="en-US" smtClean="0"/>
-              <a:t>2021-06-01</a:t>
+              <a:t>2021-06-03</a:t>
             </a:fld>
             <a:endParaRPr lang="ko-KR" altLang="en-US"/>
           </a:p>
@@ -673,7 +673,7 @@
           <a:p>
             <a:fld id="{A2122149-43FD-44AF-A55E-49E7A779F16D}" type="datetimeFigureOut">
               <a:rPr lang="ko-KR" altLang="en-US" smtClean="0"/>
-              <a:t>2021-06-01</a:t>
+              <a:t>2021-06-03</a:t>
             </a:fld>
             <a:endParaRPr lang="ko-KR" altLang="en-US"/>
           </a:p>
@@ -871,7 +871,7 @@
           <a:p>
             <a:fld id="{A2122149-43FD-44AF-A55E-49E7A779F16D}" type="datetimeFigureOut">
               <a:rPr lang="ko-KR" altLang="en-US" smtClean="0"/>
-              <a:t>2021-06-01</a:t>
+              <a:t>2021-06-03</a:t>
             </a:fld>
             <a:endParaRPr lang="ko-KR" altLang="en-US"/>
           </a:p>
@@ -1146,7 +1146,7 @@
           <a:p>
             <a:fld id="{A2122149-43FD-44AF-A55E-49E7A779F16D}" type="datetimeFigureOut">
               <a:rPr lang="ko-KR" altLang="en-US" smtClean="0"/>
-              <a:t>2021-06-01</a:t>
+              <a:t>2021-06-03</a:t>
             </a:fld>
             <a:endParaRPr lang="ko-KR" altLang="en-US"/>
           </a:p>
@@ -1411,7 +1411,7 @@
           <a:p>
             <a:fld id="{A2122149-43FD-44AF-A55E-49E7A779F16D}" type="datetimeFigureOut">
               <a:rPr lang="ko-KR" altLang="en-US" smtClean="0"/>
-              <a:t>2021-06-01</a:t>
+              <a:t>2021-06-03</a:t>
             </a:fld>
             <a:endParaRPr lang="ko-KR" altLang="en-US"/>
           </a:p>
@@ -1823,7 +1823,7 @@
           <a:p>
             <a:fld id="{A2122149-43FD-44AF-A55E-49E7A779F16D}" type="datetimeFigureOut">
               <a:rPr lang="ko-KR" altLang="en-US" smtClean="0"/>
-              <a:t>2021-06-01</a:t>
+              <a:t>2021-06-03</a:t>
             </a:fld>
             <a:endParaRPr lang="ko-KR" altLang="en-US"/>
           </a:p>
@@ -1964,7 +1964,7 @@
           <a:p>
             <a:fld id="{A2122149-43FD-44AF-A55E-49E7A779F16D}" type="datetimeFigureOut">
               <a:rPr lang="ko-KR" altLang="en-US" smtClean="0"/>
-              <a:t>2021-06-01</a:t>
+              <a:t>2021-06-03</a:t>
             </a:fld>
             <a:endParaRPr lang="ko-KR" altLang="en-US"/>
           </a:p>
@@ -2077,7 +2077,7 @@
           <a:p>
             <a:fld id="{A2122149-43FD-44AF-A55E-49E7A779F16D}" type="datetimeFigureOut">
               <a:rPr lang="ko-KR" altLang="en-US" smtClean="0"/>
-              <a:t>2021-06-01</a:t>
+              <a:t>2021-06-03</a:t>
             </a:fld>
             <a:endParaRPr lang="ko-KR" altLang="en-US"/>
           </a:p>
@@ -2388,7 +2388,7 @@
           <a:p>
             <a:fld id="{A2122149-43FD-44AF-A55E-49E7A779F16D}" type="datetimeFigureOut">
               <a:rPr lang="ko-KR" altLang="en-US" smtClean="0"/>
-              <a:t>2021-06-01</a:t>
+              <a:t>2021-06-03</a:t>
             </a:fld>
             <a:endParaRPr lang="ko-KR" altLang="en-US"/>
           </a:p>
@@ -2676,7 +2676,7 @@
           <a:p>
             <a:fld id="{A2122149-43FD-44AF-A55E-49E7A779F16D}" type="datetimeFigureOut">
               <a:rPr lang="ko-KR" altLang="en-US" smtClean="0"/>
-              <a:t>2021-06-01</a:t>
+              <a:t>2021-06-03</a:t>
             </a:fld>
             <a:endParaRPr lang="ko-KR" altLang="en-US"/>
           </a:p>
@@ -2917,7 +2917,7 @@
           <a:p>
             <a:fld id="{A2122149-43FD-44AF-A55E-49E7A779F16D}" type="datetimeFigureOut">
               <a:rPr lang="ko-KR" altLang="en-US" smtClean="0"/>
-              <a:t>2021-06-01</a:t>
+              <a:t>2021-06-03</a:t>
             </a:fld>
             <a:endParaRPr lang="ko-KR" altLang="en-US"/>
           </a:p>
@@ -5143,13 +5143,13 @@
             <p:nvPr/>
           </p:nvPicPr>
           <p:blipFill>
-            <a:blip r:embed="rId2">
+            <a:blip r:embed="rId2" cstate="hqprint">
               <a:extLst>
                 <a:ext uri="{28A0092B-C50C-407E-A947-70E740481C1C}">
                   <a14:useLocalDpi xmlns:a14="http://schemas.microsoft.com/office/drawing/2010/main" val="0"/>
                 </a:ext>
                 <a:ext uri="{96DAC541-7B7A-43D3-8B79-37D633B846F1}">
-                  <asvg:svgBlip xmlns:asvg="http://schemas.microsoft.com/office/drawing/2016/SVG/main" r:embed="rId3"/>
+                  <asvg:svgBlip xmlns:asvg="http://schemas.microsoft.com/office/drawing/2016/SVG/main" xmlns="" r:embed="rId3"/>
                 </a:ext>
               </a:extLst>
             </a:blip>
@@ -5182,13 +5182,13 @@
             <p:nvPr/>
           </p:nvPicPr>
           <p:blipFill>
-            <a:blip r:embed="rId4">
+            <a:blip r:embed="rId4" cstate="hqprint">
               <a:extLst>
                 <a:ext uri="{28A0092B-C50C-407E-A947-70E740481C1C}">
                   <a14:useLocalDpi xmlns:a14="http://schemas.microsoft.com/office/drawing/2010/main" val="0"/>
                 </a:ext>
                 <a:ext uri="{96DAC541-7B7A-43D3-8B79-37D633B846F1}">
-                  <asvg:svgBlip xmlns:asvg="http://schemas.microsoft.com/office/drawing/2016/SVG/main" r:embed="rId5"/>
+                  <asvg:svgBlip xmlns:asvg="http://schemas.microsoft.com/office/drawing/2016/SVG/main" xmlns="" r:embed="rId5"/>
                 </a:ext>
               </a:extLst>
             </a:blip>
@@ -5221,13 +5221,13 @@
             <p:nvPr/>
           </p:nvPicPr>
           <p:blipFill>
-            <a:blip r:embed="rId4">
+            <a:blip r:embed="rId4" cstate="hqprint">
               <a:extLst>
                 <a:ext uri="{28A0092B-C50C-407E-A947-70E740481C1C}">
                   <a14:useLocalDpi xmlns:a14="http://schemas.microsoft.com/office/drawing/2010/main" val="0"/>
                 </a:ext>
                 <a:ext uri="{96DAC541-7B7A-43D3-8B79-37D633B846F1}">
-                  <asvg:svgBlip xmlns:asvg="http://schemas.microsoft.com/office/drawing/2016/SVG/main" r:embed="rId5"/>
+                  <asvg:svgBlip xmlns:asvg="http://schemas.microsoft.com/office/drawing/2016/SVG/main" xmlns="" r:embed="rId5"/>
                 </a:ext>
               </a:extLst>
             </a:blip>
@@ -5260,13 +5260,13 @@
             <p:nvPr/>
           </p:nvPicPr>
           <p:blipFill>
-            <a:blip r:embed="rId2">
+            <a:blip r:embed="rId2" cstate="hqprint">
               <a:extLst>
                 <a:ext uri="{28A0092B-C50C-407E-A947-70E740481C1C}">
                   <a14:useLocalDpi xmlns:a14="http://schemas.microsoft.com/office/drawing/2010/main" val="0"/>
                 </a:ext>
                 <a:ext uri="{96DAC541-7B7A-43D3-8B79-37D633B846F1}">
-                  <asvg:svgBlip xmlns:asvg="http://schemas.microsoft.com/office/drawing/2016/SVG/main" r:embed="rId3"/>
+                  <asvg:svgBlip xmlns:asvg="http://schemas.microsoft.com/office/drawing/2016/SVG/main" xmlns="" r:embed="rId3"/>
                 </a:ext>
               </a:extLst>
             </a:blip>
@@ -5299,13 +5299,13 @@
             <p:nvPr/>
           </p:nvPicPr>
           <p:blipFill>
-            <a:blip r:embed="rId4">
+            <a:blip r:embed="rId4" cstate="hqprint">
               <a:extLst>
                 <a:ext uri="{28A0092B-C50C-407E-A947-70E740481C1C}">
                   <a14:useLocalDpi xmlns:a14="http://schemas.microsoft.com/office/drawing/2010/main" val="0"/>
                 </a:ext>
                 <a:ext uri="{96DAC541-7B7A-43D3-8B79-37D633B846F1}">
-                  <asvg:svgBlip xmlns:asvg="http://schemas.microsoft.com/office/drawing/2016/SVG/main" r:embed="rId5"/>
+                  <asvg:svgBlip xmlns:asvg="http://schemas.microsoft.com/office/drawing/2016/SVG/main" xmlns="" r:embed="rId5"/>
                 </a:ext>
               </a:extLst>
             </a:blip>
@@ -5338,13 +5338,13 @@
             <p:nvPr/>
           </p:nvPicPr>
           <p:blipFill>
-            <a:blip r:embed="rId2">
+            <a:blip r:embed="rId2" cstate="hqprint">
               <a:extLst>
                 <a:ext uri="{28A0092B-C50C-407E-A947-70E740481C1C}">
                   <a14:useLocalDpi xmlns:a14="http://schemas.microsoft.com/office/drawing/2010/main" val="0"/>
                 </a:ext>
                 <a:ext uri="{96DAC541-7B7A-43D3-8B79-37D633B846F1}">
-                  <asvg:svgBlip xmlns:asvg="http://schemas.microsoft.com/office/drawing/2016/SVG/main" r:embed="rId3"/>
+                  <asvg:svgBlip xmlns:asvg="http://schemas.microsoft.com/office/drawing/2016/SVG/main" xmlns="" r:embed="rId3"/>
                 </a:ext>
               </a:extLst>
             </a:blip>
@@ -5377,13 +5377,13 @@
             <p:nvPr/>
           </p:nvPicPr>
           <p:blipFill>
-            <a:blip r:embed="rId4">
+            <a:blip r:embed="rId4" cstate="hqprint">
               <a:extLst>
                 <a:ext uri="{28A0092B-C50C-407E-A947-70E740481C1C}">
                   <a14:useLocalDpi xmlns:a14="http://schemas.microsoft.com/office/drawing/2010/main" val="0"/>
                 </a:ext>
                 <a:ext uri="{96DAC541-7B7A-43D3-8B79-37D633B846F1}">
-                  <asvg:svgBlip xmlns:asvg="http://schemas.microsoft.com/office/drawing/2016/SVG/main" r:embed="rId5"/>
+                  <asvg:svgBlip xmlns:asvg="http://schemas.microsoft.com/office/drawing/2016/SVG/main" xmlns="" r:embed="rId5"/>
                 </a:ext>
               </a:extLst>
             </a:blip>
@@ -5416,13 +5416,13 @@
             <p:nvPr/>
           </p:nvPicPr>
           <p:blipFill>
-            <a:blip r:embed="rId4">
+            <a:blip r:embed="rId4" cstate="hqprint">
               <a:extLst>
                 <a:ext uri="{28A0092B-C50C-407E-A947-70E740481C1C}">
                   <a14:useLocalDpi xmlns:a14="http://schemas.microsoft.com/office/drawing/2010/main" val="0"/>
                 </a:ext>
                 <a:ext uri="{96DAC541-7B7A-43D3-8B79-37D633B846F1}">
-                  <asvg:svgBlip xmlns:asvg="http://schemas.microsoft.com/office/drawing/2016/SVG/main" r:embed="rId5"/>
+                  <asvg:svgBlip xmlns:asvg="http://schemas.microsoft.com/office/drawing/2016/SVG/main" xmlns="" r:embed="rId5"/>
                 </a:ext>
               </a:extLst>
             </a:blip>
@@ -5455,13 +5455,13 @@
             <p:nvPr/>
           </p:nvPicPr>
           <p:blipFill>
-            <a:blip r:embed="rId2">
+            <a:blip r:embed="rId2" cstate="hqprint">
               <a:extLst>
                 <a:ext uri="{28A0092B-C50C-407E-A947-70E740481C1C}">
                   <a14:useLocalDpi xmlns:a14="http://schemas.microsoft.com/office/drawing/2010/main" val="0"/>
                 </a:ext>
                 <a:ext uri="{96DAC541-7B7A-43D3-8B79-37D633B846F1}">
-                  <asvg:svgBlip xmlns:asvg="http://schemas.microsoft.com/office/drawing/2016/SVG/main" r:embed="rId3"/>
+                  <asvg:svgBlip xmlns:asvg="http://schemas.microsoft.com/office/drawing/2016/SVG/main" xmlns="" r:embed="rId3"/>
                 </a:ext>
               </a:extLst>
             </a:blip>
@@ -5494,13 +5494,13 @@
             <p:nvPr/>
           </p:nvPicPr>
           <p:blipFill>
-            <a:blip r:embed="rId2">
+            <a:blip r:embed="rId2" cstate="hqprint">
               <a:extLst>
                 <a:ext uri="{28A0092B-C50C-407E-A947-70E740481C1C}">
                   <a14:useLocalDpi xmlns:a14="http://schemas.microsoft.com/office/drawing/2010/main" val="0"/>
                 </a:ext>
                 <a:ext uri="{96DAC541-7B7A-43D3-8B79-37D633B846F1}">
-                  <asvg:svgBlip xmlns:asvg="http://schemas.microsoft.com/office/drawing/2016/SVG/main" r:embed="rId3"/>
+                  <asvg:svgBlip xmlns:asvg="http://schemas.microsoft.com/office/drawing/2016/SVG/main" xmlns="" r:embed="rId3"/>
                 </a:ext>
               </a:extLst>
             </a:blip>
@@ -5606,13 +5606,13 @@
           <p:nvPr/>
         </p:nvPicPr>
         <p:blipFill>
-          <a:blip r:embed="rId7">
+          <a:blip r:embed="rId7" cstate="hqprint">
             <a:extLst>
               <a:ext uri="{28A0092B-C50C-407E-A947-70E740481C1C}">
                 <a14:useLocalDpi xmlns:a14="http://schemas.microsoft.com/office/drawing/2010/main" val="0"/>
               </a:ext>
               <a:ext uri="{96DAC541-7B7A-43D3-8B79-37D633B846F1}">
-                <asvg:svgBlip xmlns:asvg="http://schemas.microsoft.com/office/drawing/2016/SVG/main" r:embed="rId8"/>
+                <asvg:svgBlip xmlns:asvg="http://schemas.microsoft.com/office/drawing/2016/SVG/main" xmlns="" r:embed="rId8"/>
               </a:ext>
             </a:extLst>
           </a:blip>
@@ -5645,13 +5645,13 @@
           <p:nvPr/>
         </p:nvPicPr>
         <p:blipFill>
-          <a:blip r:embed="rId9">
+          <a:blip r:embed="rId9" cstate="hqprint">
             <a:extLst>
               <a:ext uri="{28A0092B-C50C-407E-A947-70E740481C1C}">
                 <a14:useLocalDpi xmlns:a14="http://schemas.microsoft.com/office/drawing/2010/main" val="0"/>
               </a:ext>
               <a:ext uri="{96DAC541-7B7A-43D3-8B79-37D633B846F1}">
-                <asvg:svgBlip xmlns:asvg="http://schemas.microsoft.com/office/drawing/2016/SVG/main" r:embed="rId10"/>
+                <asvg:svgBlip xmlns:asvg="http://schemas.microsoft.com/office/drawing/2016/SVG/main" xmlns="" r:embed="rId10"/>
               </a:ext>
             </a:extLst>
           </a:blip>
@@ -5684,13 +5684,13 @@
           <p:nvPr/>
         </p:nvPicPr>
         <p:blipFill>
-          <a:blip r:embed="rId11">
+          <a:blip r:embed="rId11" cstate="hqprint">
             <a:extLst>
               <a:ext uri="{28A0092B-C50C-407E-A947-70E740481C1C}">
                 <a14:useLocalDpi xmlns:a14="http://schemas.microsoft.com/office/drawing/2010/main" val="0"/>
               </a:ext>
               <a:ext uri="{96DAC541-7B7A-43D3-8B79-37D633B846F1}">
-                <asvg:svgBlip xmlns:asvg="http://schemas.microsoft.com/office/drawing/2016/SVG/main" r:embed="rId12"/>
+                <asvg:svgBlip xmlns:asvg="http://schemas.microsoft.com/office/drawing/2016/SVG/main" xmlns="" r:embed="rId12"/>
               </a:ext>
             </a:extLst>
           </a:blip>
@@ -6406,13 +6406,13 @@
             <p:nvPr/>
           </p:nvPicPr>
           <p:blipFill>
-            <a:blip r:embed="rId2">
+            <a:blip r:embed="rId2" cstate="hqprint">
               <a:extLst>
                 <a:ext uri="{28A0092B-C50C-407E-A947-70E740481C1C}">
                   <a14:useLocalDpi xmlns:a14="http://schemas.microsoft.com/office/drawing/2010/main" val="0"/>
                 </a:ext>
                 <a:ext uri="{96DAC541-7B7A-43D3-8B79-37D633B846F1}">
-                  <asvg:svgBlip xmlns:asvg="http://schemas.microsoft.com/office/drawing/2016/SVG/main" r:embed="rId3"/>
+                  <asvg:svgBlip xmlns:asvg="http://schemas.microsoft.com/office/drawing/2016/SVG/main" xmlns="" r:embed="rId3"/>
                 </a:ext>
               </a:extLst>
             </a:blip>
@@ -6445,13 +6445,13 @@
             <p:nvPr/>
           </p:nvPicPr>
           <p:blipFill>
-            <a:blip r:embed="rId4">
+            <a:blip r:embed="rId4" cstate="hqprint">
               <a:extLst>
                 <a:ext uri="{28A0092B-C50C-407E-A947-70E740481C1C}">
                   <a14:useLocalDpi xmlns:a14="http://schemas.microsoft.com/office/drawing/2010/main" val="0"/>
                 </a:ext>
                 <a:ext uri="{96DAC541-7B7A-43D3-8B79-37D633B846F1}">
-                  <asvg:svgBlip xmlns:asvg="http://schemas.microsoft.com/office/drawing/2016/SVG/main" r:embed="rId5"/>
+                  <asvg:svgBlip xmlns:asvg="http://schemas.microsoft.com/office/drawing/2016/SVG/main" xmlns="" r:embed="rId5"/>
                 </a:ext>
               </a:extLst>
             </a:blip>
@@ -6484,13 +6484,13 @@
             <p:nvPr/>
           </p:nvPicPr>
           <p:blipFill>
-            <a:blip r:embed="rId4">
+            <a:blip r:embed="rId4" cstate="hqprint">
               <a:extLst>
                 <a:ext uri="{28A0092B-C50C-407E-A947-70E740481C1C}">
                   <a14:useLocalDpi xmlns:a14="http://schemas.microsoft.com/office/drawing/2010/main" val="0"/>
                 </a:ext>
                 <a:ext uri="{96DAC541-7B7A-43D3-8B79-37D633B846F1}">
-                  <asvg:svgBlip xmlns:asvg="http://schemas.microsoft.com/office/drawing/2016/SVG/main" r:embed="rId5"/>
+                  <asvg:svgBlip xmlns:asvg="http://schemas.microsoft.com/office/drawing/2016/SVG/main" xmlns="" r:embed="rId5"/>
                 </a:ext>
               </a:extLst>
             </a:blip>
@@ -6523,13 +6523,13 @@
             <p:nvPr/>
           </p:nvPicPr>
           <p:blipFill>
-            <a:blip r:embed="rId2">
+            <a:blip r:embed="rId2" cstate="hqprint">
               <a:extLst>
                 <a:ext uri="{28A0092B-C50C-407E-A947-70E740481C1C}">
                   <a14:useLocalDpi xmlns:a14="http://schemas.microsoft.com/office/drawing/2010/main" val="0"/>
                 </a:ext>
                 <a:ext uri="{96DAC541-7B7A-43D3-8B79-37D633B846F1}">
-                  <asvg:svgBlip xmlns:asvg="http://schemas.microsoft.com/office/drawing/2016/SVG/main" r:embed="rId3"/>
+                  <asvg:svgBlip xmlns:asvg="http://schemas.microsoft.com/office/drawing/2016/SVG/main" xmlns="" r:embed="rId3"/>
                 </a:ext>
               </a:extLst>
             </a:blip>
@@ -6562,13 +6562,13 @@
             <p:nvPr/>
           </p:nvPicPr>
           <p:blipFill>
-            <a:blip r:embed="rId4">
+            <a:blip r:embed="rId4" cstate="hqprint">
               <a:extLst>
                 <a:ext uri="{28A0092B-C50C-407E-A947-70E740481C1C}">
                   <a14:useLocalDpi xmlns:a14="http://schemas.microsoft.com/office/drawing/2010/main" val="0"/>
                 </a:ext>
                 <a:ext uri="{96DAC541-7B7A-43D3-8B79-37D633B846F1}">
-                  <asvg:svgBlip xmlns:asvg="http://schemas.microsoft.com/office/drawing/2016/SVG/main" r:embed="rId5"/>
+                  <asvg:svgBlip xmlns:asvg="http://schemas.microsoft.com/office/drawing/2016/SVG/main" xmlns="" r:embed="rId5"/>
                 </a:ext>
               </a:extLst>
             </a:blip>
@@ -6601,13 +6601,13 @@
             <p:nvPr/>
           </p:nvPicPr>
           <p:blipFill>
-            <a:blip r:embed="rId2">
+            <a:blip r:embed="rId2" cstate="hqprint">
               <a:extLst>
                 <a:ext uri="{28A0092B-C50C-407E-A947-70E740481C1C}">
                   <a14:useLocalDpi xmlns:a14="http://schemas.microsoft.com/office/drawing/2010/main" val="0"/>
                 </a:ext>
                 <a:ext uri="{96DAC541-7B7A-43D3-8B79-37D633B846F1}">
-                  <asvg:svgBlip xmlns:asvg="http://schemas.microsoft.com/office/drawing/2016/SVG/main" r:embed="rId3"/>
+                  <asvg:svgBlip xmlns:asvg="http://schemas.microsoft.com/office/drawing/2016/SVG/main" xmlns="" r:embed="rId3"/>
                 </a:ext>
               </a:extLst>
             </a:blip>
@@ -6640,13 +6640,13 @@
             <p:nvPr/>
           </p:nvPicPr>
           <p:blipFill>
-            <a:blip r:embed="rId4">
+            <a:blip r:embed="rId4" cstate="hqprint">
               <a:extLst>
                 <a:ext uri="{28A0092B-C50C-407E-A947-70E740481C1C}">
                   <a14:useLocalDpi xmlns:a14="http://schemas.microsoft.com/office/drawing/2010/main" val="0"/>
                 </a:ext>
                 <a:ext uri="{96DAC541-7B7A-43D3-8B79-37D633B846F1}">
-                  <asvg:svgBlip xmlns:asvg="http://schemas.microsoft.com/office/drawing/2016/SVG/main" r:embed="rId5"/>
+                  <asvg:svgBlip xmlns:asvg="http://schemas.microsoft.com/office/drawing/2016/SVG/main" xmlns="" r:embed="rId5"/>
                 </a:ext>
               </a:extLst>
             </a:blip>
@@ -6679,13 +6679,13 @@
             <p:nvPr/>
           </p:nvPicPr>
           <p:blipFill>
-            <a:blip r:embed="rId4">
+            <a:blip r:embed="rId4" cstate="hqprint">
               <a:extLst>
                 <a:ext uri="{28A0092B-C50C-407E-A947-70E740481C1C}">
                   <a14:useLocalDpi xmlns:a14="http://schemas.microsoft.com/office/drawing/2010/main" val="0"/>
                 </a:ext>
                 <a:ext uri="{96DAC541-7B7A-43D3-8B79-37D633B846F1}">
-                  <asvg:svgBlip xmlns:asvg="http://schemas.microsoft.com/office/drawing/2016/SVG/main" r:embed="rId5"/>
+                  <asvg:svgBlip xmlns:asvg="http://schemas.microsoft.com/office/drawing/2016/SVG/main" xmlns="" r:embed="rId5"/>
                 </a:ext>
               </a:extLst>
             </a:blip>
@@ -6718,13 +6718,13 @@
             <p:nvPr/>
           </p:nvPicPr>
           <p:blipFill>
-            <a:blip r:embed="rId2">
+            <a:blip r:embed="rId2" cstate="hqprint">
               <a:extLst>
                 <a:ext uri="{28A0092B-C50C-407E-A947-70E740481C1C}">
                   <a14:useLocalDpi xmlns:a14="http://schemas.microsoft.com/office/drawing/2010/main" val="0"/>
                 </a:ext>
                 <a:ext uri="{96DAC541-7B7A-43D3-8B79-37D633B846F1}">
-                  <asvg:svgBlip xmlns:asvg="http://schemas.microsoft.com/office/drawing/2016/SVG/main" r:embed="rId3"/>
+                  <asvg:svgBlip xmlns:asvg="http://schemas.microsoft.com/office/drawing/2016/SVG/main" xmlns="" r:embed="rId3"/>
                 </a:ext>
               </a:extLst>
             </a:blip>
@@ -6757,13 +6757,13 @@
             <p:nvPr/>
           </p:nvPicPr>
           <p:blipFill>
-            <a:blip r:embed="rId2">
+            <a:blip r:embed="rId2" cstate="hqprint">
               <a:extLst>
                 <a:ext uri="{28A0092B-C50C-407E-A947-70E740481C1C}">
                   <a14:useLocalDpi xmlns:a14="http://schemas.microsoft.com/office/drawing/2010/main" val="0"/>
                 </a:ext>
                 <a:ext uri="{96DAC541-7B7A-43D3-8B79-37D633B846F1}">
-                  <asvg:svgBlip xmlns:asvg="http://schemas.microsoft.com/office/drawing/2016/SVG/main" r:embed="rId3"/>
+                  <asvg:svgBlip xmlns:asvg="http://schemas.microsoft.com/office/drawing/2016/SVG/main" xmlns="" r:embed="rId3"/>
                 </a:ext>
               </a:extLst>
             </a:blip>
@@ -6797,13 +6797,13 @@
           <p:nvPr/>
         </p:nvPicPr>
         <p:blipFill>
-          <a:blip r:embed="rId6">
+          <a:blip r:embed="rId6" cstate="hqprint">
             <a:extLst>
               <a:ext uri="{28A0092B-C50C-407E-A947-70E740481C1C}">
                 <a14:useLocalDpi xmlns:a14="http://schemas.microsoft.com/office/drawing/2010/main" val="0"/>
               </a:ext>
               <a:ext uri="{96DAC541-7B7A-43D3-8B79-37D633B846F1}">
-                <asvg:svgBlip xmlns:asvg="http://schemas.microsoft.com/office/drawing/2016/SVG/main" r:embed="rId7"/>
+                <asvg:svgBlip xmlns:asvg="http://schemas.microsoft.com/office/drawing/2016/SVG/main" xmlns="" r:embed="rId7"/>
               </a:ext>
             </a:extLst>
           </a:blip>
@@ -6836,13 +6836,13 @@
           <p:nvPr/>
         </p:nvPicPr>
         <p:blipFill>
-          <a:blip r:embed="rId8">
+          <a:blip r:embed="rId8" cstate="hqprint">
             <a:extLst>
               <a:ext uri="{28A0092B-C50C-407E-A947-70E740481C1C}">
                 <a14:useLocalDpi xmlns:a14="http://schemas.microsoft.com/office/drawing/2010/main" val="0"/>
               </a:ext>
               <a:ext uri="{96DAC541-7B7A-43D3-8B79-37D633B846F1}">
-                <asvg:svgBlip xmlns:asvg="http://schemas.microsoft.com/office/drawing/2016/SVG/main" r:embed="rId9"/>
+                <asvg:svgBlip xmlns:asvg="http://schemas.microsoft.com/office/drawing/2016/SVG/main" xmlns="" r:embed="rId9"/>
               </a:ext>
             </a:extLst>
           </a:blip>
@@ -6875,13 +6875,13 @@
           <p:nvPr/>
         </p:nvPicPr>
         <p:blipFill>
-          <a:blip r:embed="rId10">
+          <a:blip r:embed="rId10" cstate="hqprint">
             <a:extLst>
               <a:ext uri="{28A0092B-C50C-407E-A947-70E740481C1C}">
                 <a14:useLocalDpi xmlns:a14="http://schemas.microsoft.com/office/drawing/2010/main" val="0"/>
               </a:ext>
               <a:ext uri="{96DAC541-7B7A-43D3-8B79-37D633B846F1}">
-                <asvg:svgBlip xmlns:asvg="http://schemas.microsoft.com/office/drawing/2016/SVG/main" r:embed="rId11"/>
+                <asvg:svgBlip xmlns:asvg="http://schemas.microsoft.com/office/drawing/2016/SVG/main" xmlns="" r:embed="rId11"/>
               </a:ext>
             </a:extLst>
           </a:blip>
@@ -6996,7 +6996,7 @@
           <p:nvPr/>
         </p:nvPicPr>
         <p:blipFill>
-          <a:blip r:embed="rId12">
+          <a:blip r:embed="rId12" cstate="hqprint">
             <a:extLst>
               <a:ext uri="{28A0092B-C50C-407E-A947-70E740481C1C}">
                 <a14:useLocalDpi xmlns:a14="http://schemas.microsoft.com/office/drawing/2010/main" val="0"/>
@@ -7032,7 +7032,7 @@
           <p:nvPr/>
         </p:nvPicPr>
         <p:blipFill>
-          <a:blip r:embed="rId13">
+          <a:blip r:embed="rId13" cstate="hqprint">
             <a:extLst>
               <a:ext uri="{28A0092B-C50C-407E-A947-70E740481C1C}">
                 <a14:useLocalDpi xmlns:a14="http://schemas.microsoft.com/office/drawing/2010/main" val="0"/>
@@ -7068,7 +7068,7 @@
           <p:nvPr/>
         </p:nvPicPr>
         <p:blipFill>
-          <a:blip r:embed="rId14">
+          <a:blip r:embed="rId14" cstate="hqprint">
             <a:extLst>
               <a:ext uri="{28A0092B-C50C-407E-A947-70E740481C1C}">
                 <a14:useLocalDpi xmlns:a14="http://schemas.microsoft.com/office/drawing/2010/main" val="0"/>
@@ -11913,13 +11913,13 @@
             <p:nvPr/>
           </p:nvPicPr>
           <p:blipFill>
-            <a:blip r:embed="rId2">
+            <a:blip r:embed="rId2" cstate="hqprint">
               <a:extLst>
                 <a:ext uri="{28A0092B-C50C-407E-A947-70E740481C1C}">
                   <a14:useLocalDpi xmlns:a14="http://schemas.microsoft.com/office/drawing/2010/main" val="0"/>
                 </a:ext>
                 <a:ext uri="{96DAC541-7B7A-43D3-8B79-37D633B846F1}">
-                  <asvg:svgBlip xmlns:asvg="http://schemas.microsoft.com/office/drawing/2016/SVG/main" r:embed="rId3"/>
+                  <asvg:svgBlip xmlns:asvg="http://schemas.microsoft.com/office/drawing/2016/SVG/main" xmlns="" r:embed="rId3"/>
                 </a:ext>
               </a:extLst>
             </a:blip>
@@ -12052,13 +12052,13 @@
             <p:nvPr/>
           </p:nvPicPr>
           <p:blipFill>
-            <a:blip r:embed="rId2">
+            <a:blip r:embed="rId2" cstate="hqprint">
               <a:extLst>
                 <a:ext uri="{28A0092B-C50C-407E-A947-70E740481C1C}">
                   <a14:useLocalDpi xmlns:a14="http://schemas.microsoft.com/office/drawing/2010/main" val="0"/>
                 </a:ext>
                 <a:ext uri="{96DAC541-7B7A-43D3-8B79-37D633B846F1}">
-                  <asvg:svgBlip xmlns:asvg="http://schemas.microsoft.com/office/drawing/2016/SVG/main" r:embed="rId3"/>
+                  <asvg:svgBlip xmlns:asvg="http://schemas.microsoft.com/office/drawing/2016/SVG/main" xmlns="" r:embed="rId3"/>
                 </a:ext>
               </a:extLst>
             </a:blip>
@@ -12159,13 +12159,13 @@
             <p:nvPr/>
           </p:nvPicPr>
           <p:blipFill>
-            <a:blip r:embed="rId2">
+            <a:blip r:embed="rId2" cstate="hqprint">
               <a:extLst>
                 <a:ext uri="{28A0092B-C50C-407E-A947-70E740481C1C}">
                   <a14:useLocalDpi xmlns:a14="http://schemas.microsoft.com/office/drawing/2010/main" val="0"/>
                 </a:ext>
                 <a:ext uri="{96DAC541-7B7A-43D3-8B79-37D633B846F1}">
-                  <asvg:svgBlip xmlns:asvg="http://schemas.microsoft.com/office/drawing/2016/SVG/main" r:embed="rId3"/>
+                  <asvg:svgBlip xmlns:asvg="http://schemas.microsoft.com/office/drawing/2016/SVG/main" xmlns="" r:embed="rId3"/>
                 </a:ext>
               </a:extLst>
             </a:blip>
